--- a/202324-UM-UC-BD-TP-G04-PPT.pptx
+++ b/202324-UM-UC-BD-TP-G04-PPT.pptx
@@ -6428,6 +6428,492 @@
   <p:clrMapOvr>
     <a:masterClrMapping/>
   </p:clrMapOvr>
+  <p:timing>
+    <p:tnLst>
+      <p:par>
+        <p:cTn id="1" dur="indefinite" restart="never" nodeType="tmRoot">
+          <p:childTnLst>
+            <p:seq concurrent="1" nextAc="seek">
+              <p:cTn id="2" dur="indefinite" nodeType="mainSeq">
+                <p:childTnLst>
+                  <p:par>
+                    <p:cTn id="3" fill="hold">
+                      <p:stCondLst>
+                        <p:cond delay="indefinite"/>
+                      </p:stCondLst>
+                      <p:childTnLst>
+                        <p:par>
+                          <p:cTn id="4" fill="hold">
+                            <p:stCondLst>
+                              <p:cond delay="0"/>
+                            </p:stCondLst>
+                            <p:childTnLst>
+                              <p:par>
+                                <p:cTn id="5" presetID="42" presetClass="entr" presetSubtype="0" fill="hold" nodeType="clickEffect">
+                                  <p:stCondLst>
+                                    <p:cond delay="0"/>
+                                  </p:stCondLst>
+                                  <p:childTnLst>
+                                    <p:set>
+                                      <p:cBhvr>
+                                        <p:cTn id="6" dur="1" fill="hold">
+                                          <p:stCondLst>
+                                            <p:cond delay="0"/>
+                                          </p:stCondLst>
+                                        </p:cTn>
+                                        <p:tgtEl>
+                                          <p:spTgt spid="6"/>
+                                        </p:tgtEl>
+                                        <p:attrNameLst>
+                                          <p:attrName>style.visibility</p:attrName>
+                                        </p:attrNameLst>
+                                      </p:cBhvr>
+                                      <p:to>
+                                        <p:strVal val="visible"/>
+                                      </p:to>
+                                    </p:set>
+                                    <p:animEffect transition="in" filter="fade">
+                                      <p:cBhvr>
+                                        <p:cTn id="7" dur="1000"/>
+                                        <p:tgtEl>
+                                          <p:spTgt spid="6"/>
+                                        </p:tgtEl>
+                                      </p:cBhvr>
+                                    </p:animEffect>
+                                    <p:anim calcmode="lin" valueType="num">
+                                      <p:cBhvr>
+                                        <p:cTn id="8" dur="1000" fill="hold"/>
+                                        <p:tgtEl>
+                                          <p:spTgt spid="6"/>
+                                        </p:tgtEl>
+                                        <p:attrNameLst>
+                                          <p:attrName>ppt_x</p:attrName>
+                                        </p:attrNameLst>
+                                      </p:cBhvr>
+                                      <p:tavLst>
+                                        <p:tav tm="0">
+                                          <p:val>
+                                            <p:strVal val="#ppt_x"/>
+                                          </p:val>
+                                        </p:tav>
+                                        <p:tav tm="100000">
+                                          <p:val>
+                                            <p:strVal val="#ppt_x"/>
+                                          </p:val>
+                                        </p:tav>
+                                      </p:tavLst>
+                                    </p:anim>
+                                    <p:anim calcmode="lin" valueType="num">
+                                      <p:cBhvr>
+                                        <p:cTn id="9" dur="1000" fill="hold"/>
+                                        <p:tgtEl>
+                                          <p:spTgt spid="6"/>
+                                        </p:tgtEl>
+                                        <p:attrNameLst>
+                                          <p:attrName>ppt_y</p:attrName>
+                                        </p:attrNameLst>
+                                      </p:cBhvr>
+                                      <p:tavLst>
+                                        <p:tav tm="0">
+                                          <p:val>
+                                            <p:strVal val="#ppt_y+.1"/>
+                                          </p:val>
+                                        </p:tav>
+                                        <p:tav tm="100000">
+                                          <p:val>
+                                            <p:strVal val="#ppt_y"/>
+                                          </p:val>
+                                        </p:tav>
+                                      </p:tavLst>
+                                    </p:anim>
+                                  </p:childTnLst>
+                                </p:cTn>
+                              </p:par>
+                            </p:childTnLst>
+                          </p:cTn>
+                        </p:par>
+                      </p:childTnLst>
+                    </p:cTn>
+                  </p:par>
+                  <p:par>
+                    <p:cTn id="10" fill="hold">
+                      <p:stCondLst>
+                        <p:cond delay="indefinite"/>
+                      </p:stCondLst>
+                      <p:childTnLst>
+                        <p:par>
+                          <p:cTn id="11" fill="hold">
+                            <p:stCondLst>
+                              <p:cond delay="0"/>
+                            </p:stCondLst>
+                            <p:childTnLst>
+                              <p:par>
+                                <p:cTn id="12" presetID="22" presetClass="exit" presetSubtype="4" fill="hold" nodeType="clickEffect">
+                                  <p:stCondLst>
+                                    <p:cond delay="0"/>
+                                  </p:stCondLst>
+                                  <p:childTnLst>
+                                    <p:animEffect transition="out" filter="wipe(down)">
+                                      <p:cBhvr>
+                                        <p:cTn id="13" dur="500"/>
+                                        <p:tgtEl>
+                                          <p:spTgt spid="6"/>
+                                        </p:tgtEl>
+                                      </p:cBhvr>
+                                    </p:animEffect>
+                                    <p:set>
+                                      <p:cBhvr>
+                                        <p:cTn id="14" dur="1" fill="hold">
+                                          <p:stCondLst>
+                                            <p:cond delay="499"/>
+                                          </p:stCondLst>
+                                        </p:cTn>
+                                        <p:tgtEl>
+                                          <p:spTgt spid="6"/>
+                                        </p:tgtEl>
+                                        <p:attrNameLst>
+                                          <p:attrName>style.visibility</p:attrName>
+                                        </p:attrNameLst>
+                                      </p:cBhvr>
+                                      <p:to>
+                                        <p:strVal val="hidden"/>
+                                      </p:to>
+                                    </p:set>
+                                  </p:childTnLst>
+                                </p:cTn>
+                              </p:par>
+                            </p:childTnLst>
+                          </p:cTn>
+                        </p:par>
+                      </p:childTnLst>
+                    </p:cTn>
+                  </p:par>
+                  <p:par>
+                    <p:cTn id="15" fill="hold">
+                      <p:stCondLst>
+                        <p:cond delay="indefinite"/>
+                      </p:stCondLst>
+                      <p:childTnLst>
+                        <p:par>
+                          <p:cTn id="16" fill="hold">
+                            <p:stCondLst>
+                              <p:cond delay="0"/>
+                            </p:stCondLst>
+                            <p:childTnLst>
+                              <p:par>
+                                <p:cTn id="17" presetID="42" presetClass="entr" presetSubtype="0" fill="hold" nodeType="clickEffect">
+                                  <p:stCondLst>
+                                    <p:cond delay="0"/>
+                                  </p:stCondLst>
+                                  <p:childTnLst>
+                                    <p:set>
+                                      <p:cBhvr>
+                                        <p:cTn id="18" dur="1" fill="hold">
+                                          <p:stCondLst>
+                                            <p:cond delay="0"/>
+                                          </p:stCondLst>
+                                        </p:cTn>
+                                        <p:tgtEl>
+                                          <p:spTgt spid="11"/>
+                                        </p:tgtEl>
+                                        <p:attrNameLst>
+                                          <p:attrName>style.visibility</p:attrName>
+                                        </p:attrNameLst>
+                                      </p:cBhvr>
+                                      <p:to>
+                                        <p:strVal val="visible"/>
+                                      </p:to>
+                                    </p:set>
+                                    <p:animEffect transition="in" filter="fade">
+                                      <p:cBhvr>
+                                        <p:cTn id="19" dur="1000"/>
+                                        <p:tgtEl>
+                                          <p:spTgt spid="11"/>
+                                        </p:tgtEl>
+                                      </p:cBhvr>
+                                    </p:animEffect>
+                                    <p:anim calcmode="lin" valueType="num">
+                                      <p:cBhvr>
+                                        <p:cTn id="20" dur="1000" fill="hold"/>
+                                        <p:tgtEl>
+                                          <p:spTgt spid="11"/>
+                                        </p:tgtEl>
+                                        <p:attrNameLst>
+                                          <p:attrName>ppt_x</p:attrName>
+                                        </p:attrNameLst>
+                                      </p:cBhvr>
+                                      <p:tavLst>
+                                        <p:tav tm="0">
+                                          <p:val>
+                                            <p:strVal val="#ppt_x"/>
+                                          </p:val>
+                                        </p:tav>
+                                        <p:tav tm="100000">
+                                          <p:val>
+                                            <p:strVal val="#ppt_x"/>
+                                          </p:val>
+                                        </p:tav>
+                                      </p:tavLst>
+                                    </p:anim>
+                                    <p:anim calcmode="lin" valueType="num">
+                                      <p:cBhvr>
+                                        <p:cTn id="21" dur="1000" fill="hold"/>
+                                        <p:tgtEl>
+                                          <p:spTgt spid="11"/>
+                                        </p:tgtEl>
+                                        <p:attrNameLst>
+                                          <p:attrName>ppt_y</p:attrName>
+                                        </p:attrNameLst>
+                                      </p:cBhvr>
+                                      <p:tavLst>
+                                        <p:tav tm="0">
+                                          <p:val>
+                                            <p:strVal val="#ppt_y+.1"/>
+                                          </p:val>
+                                        </p:tav>
+                                        <p:tav tm="100000">
+                                          <p:val>
+                                            <p:strVal val="#ppt_y"/>
+                                          </p:val>
+                                        </p:tav>
+                                      </p:tavLst>
+                                    </p:anim>
+                                  </p:childTnLst>
+                                </p:cTn>
+                              </p:par>
+                            </p:childTnLst>
+                          </p:cTn>
+                        </p:par>
+                      </p:childTnLst>
+                    </p:cTn>
+                  </p:par>
+                  <p:par>
+                    <p:cTn id="22" fill="hold">
+                      <p:stCondLst>
+                        <p:cond delay="indefinite"/>
+                      </p:stCondLst>
+                      <p:childTnLst>
+                        <p:par>
+                          <p:cTn id="23" fill="hold">
+                            <p:stCondLst>
+                              <p:cond delay="0"/>
+                            </p:stCondLst>
+                            <p:childTnLst>
+                              <p:par>
+                                <p:cTn id="24" presetID="6" presetClass="exit" presetSubtype="32" fill="hold" nodeType="clickEffect">
+                                  <p:stCondLst>
+                                    <p:cond delay="0"/>
+                                  </p:stCondLst>
+                                  <p:childTnLst>
+                                    <p:animEffect transition="out" filter="circle(out)">
+                                      <p:cBhvr>
+                                        <p:cTn id="25" dur="2000"/>
+                                        <p:tgtEl>
+                                          <p:spTgt spid="11"/>
+                                        </p:tgtEl>
+                                      </p:cBhvr>
+                                    </p:animEffect>
+                                    <p:set>
+                                      <p:cBhvr>
+                                        <p:cTn id="26" dur="1" fill="hold">
+                                          <p:stCondLst>
+                                            <p:cond delay="1999"/>
+                                          </p:stCondLst>
+                                        </p:cTn>
+                                        <p:tgtEl>
+                                          <p:spTgt spid="11"/>
+                                        </p:tgtEl>
+                                        <p:attrNameLst>
+                                          <p:attrName>style.visibility</p:attrName>
+                                        </p:attrNameLst>
+                                      </p:cBhvr>
+                                      <p:to>
+                                        <p:strVal val="hidden"/>
+                                      </p:to>
+                                    </p:set>
+                                  </p:childTnLst>
+                                </p:cTn>
+                              </p:par>
+                            </p:childTnLst>
+                          </p:cTn>
+                        </p:par>
+                      </p:childTnLst>
+                    </p:cTn>
+                  </p:par>
+                  <p:par>
+                    <p:cTn id="27" fill="hold">
+                      <p:stCondLst>
+                        <p:cond delay="indefinite"/>
+                      </p:stCondLst>
+                      <p:childTnLst>
+                        <p:par>
+                          <p:cTn id="28" fill="hold">
+                            <p:stCondLst>
+                              <p:cond delay="0"/>
+                            </p:stCondLst>
+                            <p:childTnLst>
+                              <p:par>
+                                <p:cTn id="29" presetID="42" presetClass="entr" presetSubtype="0" fill="hold" nodeType="clickEffect">
+                                  <p:stCondLst>
+                                    <p:cond delay="0"/>
+                                  </p:stCondLst>
+                                  <p:childTnLst>
+                                    <p:set>
+                                      <p:cBhvr>
+                                        <p:cTn id="30" dur="1" fill="hold">
+                                          <p:stCondLst>
+                                            <p:cond delay="0"/>
+                                          </p:stCondLst>
+                                        </p:cTn>
+                                        <p:tgtEl>
+                                          <p:spTgt spid="12"/>
+                                        </p:tgtEl>
+                                        <p:attrNameLst>
+                                          <p:attrName>style.visibility</p:attrName>
+                                        </p:attrNameLst>
+                                      </p:cBhvr>
+                                      <p:to>
+                                        <p:strVal val="visible"/>
+                                      </p:to>
+                                    </p:set>
+                                    <p:animEffect transition="in" filter="fade">
+                                      <p:cBhvr>
+                                        <p:cTn id="31" dur="1000"/>
+                                        <p:tgtEl>
+                                          <p:spTgt spid="12"/>
+                                        </p:tgtEl>
+                                      </p:cBhvr>
+                                    </p:animEffect>
+                                    <p:anim calcmode="lin" valueType="num">
+                                      <p:cBhvr>
+                                        <p:cTn id="32" dur="1000" fill="hold"/>
+                                        <p:tgtEl>
+                                          <p:spTgt spid="12"/>
+                                        </p:tgtEl>
+                                        <p:attrNameLst>
+                                          <p:attrName>ppt_x</p:attrName>
+                                        </p:attrNameLst>
+                                      </p:cBhvr>
+                                      <p:tavLst>
+                                        <p:tav tm="0">
+                                          <p:val>
+                                            <p:strVal val="#ppt_x"/>
+                                          </p:val>
+                                        </p:tav>
+                                        <p:tav tm="100000">
+                                          <p:val>
+                                            <p:strVal val="#ppt_x"/>
+                                          </p:val>
+                                        </p:tav>
+                                      </p:tavLst>
+                                    </p:anim>
+                                    <p:anim calcmode="lin" valueType="num">
+                                      <p:cBhvr>
+                                        <p:cTn id="33" dur="1000" fill="hold"/>
+                                        <p:tgtEl>
+                                          <p:spTgt spid="12"/>
+                                        </p:tgtEl>
+                                        <p:attrNameLst>
+                                          <p:attrName>ppt_y</p:attrName>
+                                        </p:attrNameLst>
+                                      </p:cBhvr>
+                                      <p:tavLst>
+                                        <p:tav tm="0">
+                                          <p:val>
+                                            <p:strVal val="#ppt_y+.1"/>
+                                          </p:val>
+                                        </p:tav>
+                                        <p:tav tm="100000">
+                                          <p:val>
+                                            <p:strVal val="#ppt_y"/>
+                                          </p:val>
+                                        </p:tav>
+                                      </p:tavLst>
+                                    </p:anim>
+                                  </p:childTnLst>
+                                </p:cTn>
+                              </p:par>
+                            </p:childTnLst>
+                          </p:cTn>
+                        </p:par>
+                      </p:childTnLst>
+                    </p:cTn>
+                  </p:par>
+                  <p:par>
+                    <p:cTn id="34" fill="hold">
+                      <p:stCondLst>
+                        <p:cond delay="indefinite"/>
+                      </p:stCondLst>
+                      <p:childTnLst>
+                        <p:par>
+                          <p:cTn id="35" fill="hold">
+                            <p:stCondLst>
+                              <p:cond delay="0"/>
+                            </p:stCondLst>
+                            <p:childTnLst>
+                              <p:par>
+                                <p:cTn id="36" presetID="22" presetClass="exit" presetSubtype="4" fill="hold" nodeType="clickEffect">
+                                  <p:stCondLst>
+                                    <p:cond delay="0"/>
+                                  </p:stCondLst>
+                                  <p:childTnLst>
+                                    <p:animEffect transition="out" filter="wipe(down)">
+                                      <p:cBhvr>
+                                        <p:cTn id="37" dur="500"/>
+                                        <p:tgtEl>
+                                          <p:spTgt spid="12"/>
+                                        </p:tgtEl>
+                                      </p:cBhvr>
+                                    </p:animEffect>
+                                    <p:set>
+                                      <p:cBhvr>
+                                        <p:cTn id="38" dur="1" fill="hold">
+                                          <p:stCondLst>
+                                            <p:cond delay="499"/>
+                                          </p:stCondLst>
+                                        </p:cTn>
+                                        <p:tgtEl>
+                                          <p:spTgt spid="12"/>
+                                        </p:tgtEl>
+                                        <p:attrNameLst>
+                                          <p:attrName>style.visibility</p:attrName>
+                                        </p:attrNameLst>
+                                      </p:cBhvr>
+                                      <p:to>
+                                        <p:strVal val="hidden"/>
+                                      </p:to>
+                                    </p:set>
+                                  </p:childTnLst>
+                                </p:cTn>
+                              </p:par>
+                            </p:childTnLst>
+                          </p:cTn>
+                        </p:par>
+                      </p:childTnLst>
+                    </p:cTn>
+                  </p:par>
+                </p:childTnLst>
+              </p:cTn>
+              <p:prevCondLst>
+                <p:cond evt="onPrev" delay="0">
+                  <p:tgtEl>
+                    <p:sldTgt/>
+                  </p:tgtEl>
+                </p:cond>
+              </p:prevCondLst>
+              <p:nextCondLst>
+                <p:cond evt="onNext" delay="0">
+                  <p:tgtEl>
+                    <p:sldTgt/>
+                  </p:tgtEl>
+                </p:cond>
+              </p:nextCondLst>
+            </p:seq>
+          </p:childTnLst>
+        </p:cTn>
+      </p:par>
+    </p:tnLst>
+  </p:timing>
 </p:sld>
 </file>
 
@@ -8475,7 +8961,7 @@
         </p:spPr>
         <p:txBody>
           <a:bodyPr vert="horz" lIns="91440" tIns="45720" rIns="91440" bIns="45720" rtlCol="0" anchor="b">
-            <a:normAutofit fontScale="92500" lnSpcReduction="20000"/>
+            <a:normAutofit fontScale="92500" lnSpcReduction="10000"/>
           </a:bodyPr>
           <a:lstStyle>
             <a:lvl1pPr algn="ctr" defTabSz="914400" rtl="0" eaLnBrk="1" latinLnBrk="0" hangingPunct="1">
@@ -14856,11 +15342,11 @@
   <p:clrMapOvr>
     <a:masterClrMapping/>
   </p:clrMapOvr>
-  <mc:AlternateContent xmlns:mc="http://schemas.openxmlformats.org/markup-compatibility/2006">
-    <mc:Choice xmlns:p14="http://schemas.microsoft.com/office/powerpoint/2010/main" Requires="p14">
+  <mc:AlternateContent xmlns:mc="http://schemas.openxmlformats.org/markup-compatibility/2006" xmlns:p14="http://schemas.microsoft.com/office/powerpoint/2010/main">
+    <mc:Choice Requires="p14">
       <p:transition p14:dur="10"/>
     </mc:Choice>
-    <mc:Fallback>
+    <mc:Fallback xmlns="">
       <p:transition/>
     </mc:Fallback>
   </mc:AlternateContent>
@@ -17671,7 +18157,7 @@
         </p:spPr>
         <p:txBody>
           <a:bodyPr vert="horz" lIns="91440" tIns="45720" rIns="91440" bIns="45720" rtlCol="0" anchor="b">
-            <a:normAutofit fontScale="92500"/>
+            <a:normAutofit/>
           </a:bodyPr>
           <a:lstStyle>
             <a:lvl1pPr algn="ctr" defTabSz="914400" rtl="0" eaLnBrk="1" latinLnBrk="0" hangingPunct="1">
@@ -18404,7 +18890,7 @@
         </p:spPr>
         <p:txBody>
           <a:bodyPr vert="horz" lIns="91440" tIns="45720" rIns="91440" bIns="45720" rtlCol="0" anchor="b">
-            <a:normAutofit fontScale="92500"/>
+            <a:normAutofit/>
           </a:bodyPr>
           <a:lstStyle>
             <a:lvl1pPr algn="ctr" defTabSz="914400" rtl="0" eaLnBrk="1" latinLnBrk="0" hangingPunct="1">
